--- a/seminario/Problema.Desafio_PLN_versao0.pptx
+++ b/seminario/Problema.Desafio_PLN_versao0.pptx
@@ -148,8 +148,85 @@
 <p1510:revInfo xmlns:a="http://schemas.openxmlformats.org/drawingml/2006/main" xmlns:r="http://schemas.openxmlformats.org/officeDocument/2006/relationships" xmlns:p1510="http://schemas.microsoft.com/office/powerpoint/2015/10/main">
   <p1510:revLst>
     <p1510:client id="{2251AAA9-D501-4983-8882-3BA0FF1BE888}" v="37" dt="2025-05-03T17:01:23.463"/>
+    <p1510:client id="{88DCC43C-1B13-41EF-B2F0-9BC80D37AB2D}" v="6" dt="2025-05-03T17:26:48.948"/>
   </p1510:revLst>
 </p1510:revInfo>
+</file>
+
+<file path=ppt/changesInfos/changesInfo1.xml><?xml version="1.0" encoding="utf-8"?>
+<pc:chgInfo xmlns:a="http://schemas.openxmlformats.org/drawingml/2006/main" xmlns:r="http://schemas.openxmlformats.org/officeDocument/2006/relationships" xmlns:ac="http://schemas.microsoft.com/office/drawing/2013/main/command" xmlns:pc="http://schemas.microsoft.com/office/powerpoint/2013/main/command">
+  <pc:docChgLst>
+    <pc:chgData name="Swenne Kelly" userId="4dd234b3560acdaf" providerId="LiveId" clId="{88DCC43C-1B13-41EF-B2F0-9BC80D37AB2D}"/>
+    <pc:docChg chg="undo custSel modSld">
+      <pc:chgData name="Swenne Kelly" userId="4dd234b3560acdaf" providerId="LiveId" clId="{88DCC43C-1B13-41EF-B2F0-9BC80D37AB2D}" dt="2025-05-03T17:27:02.002" v="80" actId="1076"/>
+      <pc:docMkLst>
+        <pc:docMk/>
+      </pc:docMkLst>
+      <pc:sldChg chg="addSp modSp mod">
+        <pc:chgData name="Swenne Kelly" userId="4dd234b3560acdaf" providerId="LiveId" clId="{88DCC43C-1B13-41EF-B2F0-9BC80D37AB2D}" dt="2025-05-03T17:18:53.195" v="63" actId="20577"/>
+        <pc:sldMkLst>
+          <pc:docMk/>
+          <pc:sldMk cId="1650012627" sldId="266"/>
+        </pc:sldMkLst>
+        <pc:spChg chg="add mod">
+          <ac:chgData name="Swenne Kelly" userId="4dd234b3560acdaf" providerId="LiveId" clId="{88DCC43C-1B13-41EF-B2F0-9BC80D37AB2D}" dt="2025-05-03T17:18:53.195" v="63" actId="20577"/>
+          <ac:spMkLst>
+            <pc:docMk/>
+            <pc:sldMk cId="1650012627" sldId="266"/>
+            <ac:spMk id="2" creationId="{63C73CB4-21DC-9C74-8E53-0A67A980A163}"/>
+          </ac:spMkLst>
+        </pc:spChg>
+      </pc:sldChg>
+      <pc:sldChg chg="addSp delSp modSp mod">
+        <pc:chgData name="Swenne Kelly" userId="4dd234b3560acdaf" providerId="LiveId" clId="{88DCC43C-1B13-41EF-B2F0-9BC80D37AB2D}" dt="2025-05-03T17:27:02.002" v="80" actId="1076"/>
+        <pc:sldMkLst>
+          <pc:docMk/>
+          <pc:sldMk cId="2133481855" sldId="310"/>
+        </pc:sldMkLst>
+        <pc:spChg chg="mod">
+          <ac:chgData name="Swenne Kelly" userId="4dd234b3560acdaf" providerId="LiveId" clId="{88DCC43C-1B13-41EF-B2F0-9BC80D37AB2D}" dt="2025-05-03T17:27:02.002" v="80" actId="1076"/>
+          <ac:spMkLst>
+            <pc:docMk/>
+            <pc:sldMk cId="2133481855" sldId="310"/>
+            <ac:spMk id="5" creationId="{36261823-A51B-97D1-BE66-D0CA44B70666}"/>
+          </ac:spMkLst>
+        </pc:spChg>
+        <pc:spChg chg="add del">
+          <ac:chgData name="Swenne Kelly" userId="4dd234b3560acdaf" providerId="LiveId" clId="{88DCC43C-1B13-41EF-B2F0-9BC80D37AB2D}" dt="2025-05-03T17:23:18.665" v="65" actId="22"/>
+          <ac:spMkLst>
+            <pc:docMk/>
+            <pc:sldMk cId="2133481855" sldId="310"/>
+            <ac:spMk id="7" creationId="{3E744770-627C-D37C-3DBC-2F6681BBD527}"/>
+          </ac:spMkLst>
+        </pc:spChg>
+        <pc:spChg chg="add del">
+          <ac:chgData name="Swenne Kelly" userId="4dd234b3560acdaf" providerId="LiveId" clId="{88DCC43C-1B13-41EF-B2F0-9BC80D37AB2D}" dt="2025-05-03T17:23:40.908" v="69" actId="478"/>
+          <ac:spMkLst>
+            <pc:docMk/>
+            <pc:sldMk cId="2133481855" sldId="310"/>
+            <ac:spMk id="8" creationId="{845C7F59-3DCB-1A4F-223A-96D6E4D6514D}"/>
+          </ac:spMkLst>
+        </pc:spChg>
+        <pc:spChg chg="add del mod">
+          <ac:chgData name="Swenne Kelly" userId="4dd234b3560acdaf" providerId="LiveId" clId="{88DCC43C-1B13-41EF-B2F0-9BC80D37AB2D}" dt="2025-05-03T17:23:39.307" v="68" actId="478"/>
+          <ac:spMkLst>
+            <pc:docMk/>
+            <pc:sldMk cId="2133481855" sldId="310"/>
+            <ac:spMk id="9" creationId="{DC52977E-DE7E-6E5C-626C-E20781783E6F}"/>
+          </ac:spMkLst>
+        </pc:spChg>
+        <pc:picChg chg="add mod">
+          <ac:chgData name="Swenne Kelly" userId="4dd234b3560acdaf" providerId="LiveId" clId="{88DCC43C-1B13-41EF-B2F0-9BC80D37AB2D}" dt="2025-05-03T17:26:59.091" v="79" actId="1076"/>
+          <ac:picMkLst>
+            <pc:docMk/>
+            <pc:sldMk cId="2133481855" sldId="310"/>
+            <ac:picMk id="11" creationId="{367E144F-C7C1-02D8-D091-755F24F99263}"/>
+          </ac:picMkLst>
+        </pc:picChg>
+      </pc:sldChg>
+    </pc:docChg>
+  </pc:docChgLst>
+</pc:chgInfo>
 </file>
 
 <file path=ppt/handoutMasters/handoutMaster1.xml><?xml version="1.0" encoding="utf-8"?>
@@ -20437,6 +20514,212 @@
             <a:r>
               <a:rPr lang="pt-BR" dirty="0"/>
               <a:t>Educação</a:t>
+            </a:r>
+          </a:p>
+        </p:txBody>
+      </p:sp>
+      <p:sp>
+        <p:nvSpPr>
+          <p:cNvPr id="2" name="Espaço Reservado para Texto 6">
+            <a:extLst>
+              <a:ext uri="{FF2B5EF4-FFF2-40B4-BE49-F238E27FC236}">
+                <a16:creationId xmlns:a16="http://schemas.microsoft.com/office/drawing/2014/main" id="{63C73CB4-21DC-9C74-8E53-0A67A980A163}"/>
+              </a:ext>
+            </a:extLst>
+          </p:cNvPr>
+          <p:cNvSpPr txBox="1">
+            <a:spLocks/>
+          </p:cNvSpPr>
+          <p:nvPr/>
+        </p:nvSpPr>
+        <p:spPr>
+          <a:xfrm>
+            <a:off x="750023" y="6133947"/>
+            <a:ext cx="6910410" cy="365125"/>
+          </a:xfrm>
+          <a:prstGeom prst="rect">
+            <a:avLst/>
+          </a:prstGeom>
+        </p:spPr>
+        <p:txBody>
+          <a:bodyPr/>
+          <a:lstStyle>
+            <a:lvl1pPr marL="228600" indent="-228600" algn="l" defTabSz="914400" rtl="0" eaLnBrk="1" latinLnBrk="0" hangingPunct="1">
+              <a:lnSpc>
+                <a:spcPct val="90000"/>
+              </a:lnSpc>
+              <a:spcBef>
+                <a:spcPts val="1000"/>
+              </a:spcBef>
+              <a:buFont typeface="Arial" panose="020B0604020202020204" pitchFamily="34" charset="0"/>
+              <a:buChar char="•"/>
+              <a:defRPr sz="2800" kern="1200">
+                <a:solidFill>
+                  <a:schemeClr val="accent1"/>
+                </a:solidFill>
+                <a:latin typeface="+mn-lt"/>
+                <a:ea typeface="+mn-ea"/>
+                <a:cs typeface="+mn-cs"/>
+              </a:defRPr>
+            </a:lvl1pPr>
+            <a:lvl2pPr marL="685800" indent="-228600" algn="l" defTabSz="914400" rtl="0" eaLnBrk="1" latinLnBrk="0" hangingPunct="1">
+              <a:lnSpc>
+                <a:spcPct val="90000"/>
+              </a:lnSpc>
+              <a:spcBef>
+                <a:spcPts val="500"/>
+              </a:spcBef>
+              <a:buFont typeface="Arial" panose="020B0604020202020204" pitchFamily="34" charset="0"/>
+              <a:buChar char="•"/>
+              <a:defRPr sz="2400" kern="1200">
+                <a:solidFill>
+                  <a:schemeClr val="accent1"/>
+                </a:solidFill>
+                <a:latin typeface="+mn-lt"/>
+                <a:ea typeface="+mn-ea"/>
+                <a:cs typeface="+mn-cs"/>
+              </a:defRPr>
+            </a:lvl2pPr>
+            <a:lvl3pPr marL="1143000" indent="-228600" algn="l" defTabSz="914400" rtl="0" eaLnBrk="1" latinLnBrk="0" hangingPunct="1">
+              <a:lnSpc>
+                <a:spcPct val="90000"/>
+              </a:lnSpc>
+              <a:spcBef>
+                <a:spcPts val="500"/>
+              </a:spcBef>
+              <a:buFont typeface="Arial" panose="020B0604020202020204" pitchFamily="34" charset="0"/>
+              <a:buChar char="•"/>
+              <a:defRPr sz="2000" kern="1200">
+                <a:solidFill>
+                  <a:schemeClr val="accent1"/>
+                </a:solidFill>
+                <a:latin typeface="+mn-lt"/>
+                <a:ea typeface="+mn-ea"/>
+                <a:cs typeface="+mn-cs"/>
+              </a:defRPr>
+            </a:lvl3pPr>
+            <a:lvl4pPr marL="1600200" indent="-228600" algn="l" defTabSz="914400" rtl="0" eaLnBrk="1" latinLnBrk="0" hangingPunct="1">
+              <a:lnSpc>
+                <a:spcPct val="90000"/>
+              </a:lnSpc>
+              <a:spcBef>
+                <a:spcPts val="500"/>
+              </a:spcBef>
+              <a:buFont typeface="Arial" panose="020B0604020202020204" pitchFamily="34" charset="0"/>
+              <a:buChar char="•"/>
+              <a:defRPr sz="1800" kern="1200">
+                <a:solidFill>
+                  <a:schemeClr val="accent1"/>
+                </a:solidFill>
+                <a:latin typeface="+mn-lt"/>
+                <a:ea typeface="+mn-ea"/>
+                <a:cs typeface="+mn-cs"/>
+              </a:defRPr>
+            </a:lvl4pPr>
+            <a:lvl5pPr marL="2057400" indent="-228600" algn="l" defTabSz="914400" rtl="0" eaLnBrk="1" latinLnBrk="0" hangingPunct="1">
+              <a:lnSpc>
+                <a:spcPct val="90000"/>
+              </a:lnSpc>
+              <a:spcBef>
+                <a:spcPts val="500"/>
+              </a:spcBef>
+              <a:buFont typeface="Arial" panose="020B0604020202020204" pitchFamily="34" charset="0"/>
+              <a:buChar char="•"/>
+              <a:defRPr sz="1800" kern="1200">
+                <a:solidFill>
+                  <a:schemeClr val="accent1"/>
+                </a:solidFill>
+                <a:latin typeface="+mn-lt"/>
+                <a:ea typeface="+mn-ea"/>
+                <a:cs typeface="+mn-cs"/>
+              </a:defRPr>
+            </a:lvl5pPr>
+            <a:lvl6pPr marL="2514600" indent="-228600" algn="l" defTabSz="914400" rtl="0" eaLnBrk="1" latinLnBrk="0" hangingPunct="1">
+              <a:lnSpc>
+                <a:spcPct val="90000"/>
+              </a:lnSpc>
+              <a:spcBef>
+                <a:spcPts val="500"/>
+              </a:spcBef>
+              <a:buFont typeface="Arial" panose="020B0604020202020204" pitchFamily="34" charset="0"/>
+              <a:buChar char="•"/>
+              <a:defRPr sz="1800" kern="1200">
+                <a:solidFill>
+                  <a:schemeClr val="tx1"/>
+                </a:solidFill>
+                <a:latin typeface="+mn-lt"/>
+                <a:ea typeface="+mn-ea"/>
+                <a:cs typeface="+mn-cs"/>
+              </a:defRPr>
+            </a:lvl6pPr>
+            <a:lvl7pPr marL="2971800" indent="-228600" algn="l" defTabSz="914400" rtl="0" eaLnBrk="1" latinLnBrk="0" hangingPunct="1">
+              <a:lnSpc>
+                <a:spcPct val="90000"/>
+              </a:lnSpc>
+              <a:spcBef>
+                <a:spcPts val="500"/>
+              </a:spcBef>
+              <a:buFont typeface="Arial" panose="020B0604020202020204" pitchFamily="34" charset="0"/>
+              <a:buChar char="•"/>
+              <a:defRPr sz="1800" kern="1200">
+                <a:solidFill>
+                  <a:schemeClr val="tx1"/>
+                </a:solidFill>
+                <a:latin typeface="+mn-lt"/>
+                <a:ea typeface="+mn-ea"/>
+                <a:cs typeface="+mn-cs"/>
+              </a:defRPr>
+            </a:lvl7pPr>
+            <a:lvl8pPr marL="3429000" indent="-228600" algn="l" defTabSz="914400" rtl="0" eaLnBrk="1" latinLnBrk="0" hangingPunct="1">
+              <a:lnSpc>
+                <a:spcPct val="90000"/>
+              </a:lnSpc>
+              <a:spcBef>
+                <a:spcPts val="500"/>
+              </a:spcBef>
+              <a:buFont typeface="Arial" panose="020B0604020202020204" pitchFamily="34" charset="0"/>
+              <a:buChar char="•"/>
+              <a:defRPr sz="1800" kern="1200">
+                <a:solidFill>
+                  <a:schemeClr val="tx1"/>
+                </a:solidFill>
+                <a:latin typeface="+mn-lt"/>
+                <a:ea typeface="+mn-ea"/>
+                <a:cs typeface="+mn-cs"/>
+              </a:defRPr>
+            </a:lvl8pPr>
+            <a:lvl9pPr marL="3886200" indent="-228600" algn="l" defTabSz="914400" rtl="0" eaLnBrk="1" latinLnBrk="0" hangingPunct="1">
+              <a:lnSpc>
+                <a:spcPct val="90000"/>
+              </a:lnSpc>
+              <a:spcBef>
+                <a:spcPts val="500"/>
+              </a:spcBef>
+              <a:buFont typeface="Arial" panose="020B0604020202020204" pitchFamily="34" charset="0"/>
+              <a:buChar char="•"/>
+              <a:defRPr sz="1800" kern="1200">
+                <a:solidFill>
+                  <a:schemeClr val="tx1"/>
+                </a:solidFill>
+                <a:latin typeface="+mn-lt"/>
+                <a:ea typeface="+mn-ea"/>
+                <a:cs typeface="+mn-cs"/>
+              </a:defRPr>
+            </a:lvl9pPr>
+          </a:lstStyle>
+          <a:p>
+            <a:pPr marL="0" indent="0">
+              <a:buNone/>
+            </a:pPr>
+            <a:r>
+              <a:rPr lang="pt-BR" sz="2400" dirty="0">
+                <a:solidFill>
+                  <a:schemeClr val="bg1">
+                    <a:lumMod val="50000"/>
+                  </a:schemeClr>
+                </a:solidFill>
+              </a:rPr>
+              <a:t>Equipe: Clóvis Silva, Ivan Ferreira e Swenne Silva. </a:t>
             </a:r>
           </a:p>
         </p:txBody>
@@ -21520,8 +21803,8 @@
         </p:nvSpPr>
         <p:spPr>
           <a:xfrm>
-            <a:off x="838200" y="1510440"/>
-            <a:ext cx="8722002" cy="2610843"/>
+            <a:off x="838200" y="1477248"/>
+            <a:ext cx="5497286" cy="3903504"/>
           </a:xfrm>
           <a:prstGeom prst="rect">
             <a:avLst/>
@@ -21546,6 +21829,36 @@
           </a:p>
         </p:txBody>
       </p:sp>
+      <p:pic>
+        <p:nvPicPr>
+          <p:cNvPr id="11" name="Imagem 10" descr="Site&#10;&#10;O conteúdo gerado por IA pode estar incorreto.">
+            <a:extLst>
+              <a:ext uri="{FF2B5EF4-FFF2-40B4-BE49-F238E27FC236}">
+                <a16:creationId xmlns:a16="http://schemas.microsoft.com/office/drawing/2014/main" id="{367E144F-C7C1-02D8-D091-755F24F99263}"/>
+              </a:ext>
+            </a:extLst>
+          </p:cNvPr>
+          <p:cNvPicPr>
+            <a:picLocks noChangeAspect="1"/>
+          </p:cNvPicPr>
+          <p:nvPr/>
+        </p:nvPicPr>
+        <p:blipFill>
+          <a:blip r:embed="rId2"/>
+          <a:stretch>
+            <a:fillRect/>
+          </a:stretch>
+        </p:blipFill>
+        <p:spPr>
+          <a:xfrm>
+            <a:off x="6949751" y="1310624"/>
+            <a:ext cx="4590661" cy="4590661"/>
+          </a:xfrm>
+          <a:prstGeom prst="rect">
+            <a:avLst/>
+          </a:prstGeom>
+        </p:spPr>
+      </p:pic>
     </p:spTree>
     <p:extLst>
       <p:ext uri="{BB962C8B-B14F-4D97-AF65-F5344CB8AC3E}">
@@ -23434,6 +23747,15 @@
 </file>
 
 <file path=customXml/item1.xml><?xml version="1.0" encoding="utf-8"?>
+<?mso-contentType ?>
+<FormTemplates xmlns="http://schemas.microsoft.com/sharepoint/v3/contenttype/forms">
+  <Display>DocumentLibraryForm</Display>
+  <Edit>DocumentLibraryForm</Edit>
+  <New>DocumentLibraryForm</New>
+</FormTemplates>
+</file>
+
+<file path=customXml/item2.xml><?xml version="1.0" encoding="utf-8"?>
 <ct:contentTypeSchema xmlns:ct="http://schemas.microsoft.com/office/2006/metadata/contentType" xmlns:ma="http://schemas.microsoft.com/office/2006/metadata/properties/metaAttributes" ct:_="" ma:_="" ma:contentTypeName="Documento" ma:contentTypeID="0x0101001655BCF627D9644D9A6C60FFDAD88FC2" ma:contentTypeVersion="14" ma:contentTypeDescription="Crie um novo documento." ma:contentTypeScope="" ma:versionID="80f2798479165c2ae2811becdc740fa3">
   <xsd:schema xmlns:xsd="http://www.w3.org/2001/XMLSchema" xmlns:xs="http://www.w3.org/2001/XMLSchema" xmlns:p="http://schemas.microsoft.com/office/2006/metadata/properties" xmlns:ns3="3278893f-11de-4c80-8d71-ba978d5379b4" xmlns:ns4="11167284-6e7a-4b55-a89d-9be8e04114ed" targetNamespace="http://schemas.microsoft.com/office/2006/metadata/properties" ma:root="true" ma:fieldsID="406469406a122418847df04763fc5646" ns3:_="" ns4:_="">
     <xsd:import namespace="3278893f-11de-4c80-8d71-ba978d5379b4"/>
@@ -23662,15 +23984,6 @@
 </ct:contentTypeSchema>
 </file>
 
-<file path=customXml/item2.xml><?xml version="1.0" encoding="utf-8"?>
-<?mso-contentType ?>
-<FormTemplates xmlns="http://schemas.microsoft.com/sharepoint/v3/contenttype/forms">
-  <Display>DocumentLibraryForm</Display>
-  <Edit>DocumentLibraryForm</Edit>
-  <New>DocumentLibraryForm</New>
-</FormTemplates>
-</file>
-
 <file path=customXml/item3.xml><?xml version="1.0" encoding="utf-8"?>
 <p:properties xmlns:p="http://schemas.microsoft.com/office/2006/metadata/properties" xmlns:xsi="http://www.w3.org/2001/XMLSchema-instance" xmlns:pc="http://schemas.microsoft.com/office/infopath/2007/PartnerControls">
   <documentManagement/>
@@ -23678,6 +23991,14 @@
 </file>
 
 <file path=customXml/itemProps1.xml><?xml version="1.0" encoding="utf-8"?>
+<ds:datastoreItem xmlns:ds="http://schemas.openxmlformats.org/officeDocument/2006/customXml" ds:itemID="{750F309C-DE10-4641-9043-BB7E781AC404}">
+  <ds:schemaRefs>
+    <ds:schemaRef ds:uri="http://schemas.microsoft.com/sharepoint/v3/contenttype/forms"/>
+  </ds:schemaRefs>
+</ds:datastoreItem>
+</file>
+
+<file path=customXml/itemProps2.xml><?xml version="1.0" encoding="utf-8"?>
 <ds:datastoreItem xmlns:ds="http://schemas.openxmlformats.org/officeDocument/2006/customXml" ds:itemID="{D47F1267-6B9C-4A18-80E5-C8C8440A3ACB}">
   <ds:schemaRefs>
     <ds:schemaRef ds:uri="http://schemas.microsoft.com/office/2006/metadata/contentType"/>
@@ -23692,14 +24013,6 @@
     <ds:schemaRef ds:uri="http://purl.org/dc/elements/1.1/"/>
     <ds:schemaRef ds:uri="http://purl.org/dc/terms/"/>
     <ds:schemaRef ds:uri="http://schemas.microsoft.com/internal/obd"/>
-  </ds:schemaRefs>
-</ds:datastoreItem>
-</file>
-
-<file path=customXml/itemProps2.xml><?xml version="1.0" encoding="utf-8"?>
-<ds:datastoreItem xmlns:ds="http://schemas.openxmlformats.org/officeDocument/2006/customXml" ds:itemID="{750F309C-DE10-4641-9043-BB7E781AC404}">
-  <ds:schemaRefs>
-    <ds:schemaRef ds:uri="http://schemas.microsoft.com/sharepoint/v3/contenttype/forms"/>
   </ds:schemaRefs>
 </ds:datastoreItem>
 </file>
